--- a/Capstone/capstone ref.pptx
+++ b/Capstone/capstone ref.pptx
@@ -12902,47 +12902,6 @@
       </p:sp>
       <p:sp>
         <p:nvSpPr>
-          <p:cNvPr id="5" name="Text Placeholder 4">
-            <a:extLst>
-              <a:ext uri="{FF2B5EF4-FFF2-40B4-BE49-F238E27FC236}">
-                <a16:creationId xmlns:a16="http://schemas.microsoft.com/office/drawing/2014/main" id="{28F94A06-38B8-4C8F-ABF0-FB763704D01F}"/>
-              </a:ext>
-            </a:extLst>
-          </p:cNvPr>
-          <p:cNvSpPr>
-            <a:spLocks noGrp="1"/>
-          </p:cNvSpPr>
-          <p:nvPr>
-            <p:ph type="body" sz="quarter" idx="10"/>
-          </p:nvPr>
-        </p:nvSpPr>
-        <p:spPr>
-          <a:xfrm>
-            <a:off x="685636" y="5568698"/>
-            <a:ext cx="5278514" cy="618142"/>
-          </a:xfrm>
-        </p:spPr>
-        <p:txBody>
-          <a:bodyPr>
-            <a:normAutofit fontScale="85000" lnSpcReduction="20000"/>
-          </a:bodyPr>
-          <a:lstStyle/>
-          <a:p>
-            <a:r>
-              <a:rPr lang="en-US" dirty="0"/>
-              <a:t>By:</a:t>
-            </a:r>
-          </a:p>
-          <a:p>
-            <a:r>
-              <a:rPr lang="en-US" dirty="0"/>
-              <a:t>Tulasi</a:t>
-            </a:r>
-          </a:p>
-        </p:txBody>
-      </p:sp>
-      <p:sp>
-        <p:nvSpPr>
           <p:cNvPr id="34" name="Rectangle 33">
             <a:extLst>
               <a:ext uri="{FF2B5EF4-FFF2-40B4-BE49-F238E27FC236}">
@@ -13032,6 +12991,31 @@
           </a:xfrm>
         </p:spPr>
       </p:pic>
+      <p:sp>
+        <p:nvSpPr>
+          <p:cNvPr id="3" name="Text Placeholder 2">
+            <a:extLst>
+              <a:ext uri="{FF2B5EF4-FFF2-40B4-BE49-F238E27FC236}">
+                <a16:creationId xmlns:a16="http://schemas.microsoft.com/office/drawing/2014/main" id="{2A57EBD9-EA79-4977-B7A8-249B6AAAC8D2}"/>
+              </a:ext>
+            </a:extLst>
+          </p:cNvPr>
+          <p:cNvSpPr>
+            <a:spLocks noGrp="1"/>
+          </p:cNvSpPr>
+          <p:nvPr>
+            <p:ph type="body" sz="quarter" idx="10"/>
+          </p:nvPr>
+        </p:nvSpPr>
+        <p:spPr/>
+        <p:txBody>
+          <a:bodyPr/>
+          <a:lstStyle/>
+          <a:p>
+            <a:endParaRPr lang="en-IN" dirty="0"/>
+          </a:p>
+        </p:txBody>
+      </p:sp>
     </p:spTree>
     <p:extLst>
       <p:ext uri="{BB962C8B-B14F-4D97-AF65-F5344CB8AC3E}">
